--- a/Online/Wireframes/wireframes.pptx
+++ b/Online/Wireframes/wireframes.pptx
@@ -6,6 +6,7 @@
   </p:sldMasterIdLst>
   <p:sldIdLst>
     <p:sldId id="256" r:id="rId2"/>
+    <p:sldId id="257" r:id="rId3"/>
   </p:sldIdLst>
   <p:sldSz cx="12192000" cy="6858000"/>
   <p:notesSz cx="6858000" cy="9144000"/>
@@ -112,6 +113,18 @@
 </p:presentation>
 </file>
 
+<file path=ppt/commentAuthors.xml><?xml version="1.0" encoding="utf-8"?>
+<p:cmAuthorLst xmlns:a="http://schemas.openxmlformats.org/drawingml/2006/main" xmlns:r="http://schemas.openxmlformats.org/officeDocument/2006/relationships" xmlns:p="http://schemas.openxmlformats.org/presentationml/2006/main">
+  <p:cmAuthor id="1" name="Anirban Chakrabarty" initials="AC" lastIdx="1" clrIdx="0">
+    <p:extLst>
+      <p:ext uri="{19B8F6BF-5375-455C-9EA6-DF929625EA0E}">
+        <p15:presenceInfo xmlns:p15="http://schemas.microsoft.com/office/powerpoint/2012/main" userId="ffdb90a35c803d8f" providerId="Windows Live"/>
+      </p:ext>
+    </p:extLst>
+  </p:cmAuthor>
+</p:cmAuthorLst>
+</file>
+
 <file path=ppt/slideLayouts/slideLayout1.xml><?xml version="1.0" encoding="utf-8"?>
 <p:sldLayout xmlns:a="http://schemas.openxmlformats.org/drawingml/2006/main" xmlns:r="http://schemas.openxmlformats.org/officeDocument/2006/relationships" xmlns:p="http://schemas.openxmlformats.org/presentationml/2006/main" type="title" preserve="1">
   <p:cSld name="Title Slide">
@@ -261,7 +274,7 @@
           <a:p>
             <a:fld id="{C9D90111-4692-4C42-9165-824C54EBC961}" type="datetimeFigureOut">
               <a:rPr lang="en-AU" smtClean="0"/>
-              <a:t>28/04/2023</a:t>
+              <a:t>12/05/2023</a:t>
             </a:fld>
             <a:endParaRPr lang="en-AU"/>
           </a:p>
@@ -461,7 +474,7 @@
           <a:p>
             <a:fld id="{C9D90111-4692-4C42-9165-824C54EBC961}" type="datetimeFigureOut">
               <a:rPr lang="en-AU" smtClean="0"/>
-              <a:t>28/04/2023</a:t>
+              <a:t>12/05/2023</a:t>
             </a:fld>
             <a:endParaRPr lang="en-AU"/>
           </a:p>
@@ -671,7 +684,7 @@
           <a:p>
             <a:fld id="{C9D90111-4692-4C42-9165-824C54EBC961}" type="datetimeFigureOut">
               <a:rPr lang="en-AU" smtClean="0"/>
-              <a:t>28/04/2023</a:t>
+              <a:t>12/05/2023</a:t>
             </a:fld>
             <a:endParaRPr lang="en-AU"/>
           </a:p>
@@ -871,7 +884,7 @@
           <a:p>
             <a:fld id="{C9D90111-4692-4C42-9165-824C54EBC961}" type="datetimeFigureOut">
               <a:rPr lang="en-AU" smtClean="0"/>
-              <a:t>28/04/2023</a:t>
+              <a:t>12/05/2023</a:t>
             </a:fld>
             <a:endParaRPr lang="en-AU"/>
           </a:p>
@@ -1147,7 +1160,7 @@
           <a:p>
             <a:fld id="{C9D90111-4692-4C42-9165-824C54EBC961}" type="datetimeFigureOut">
               <a:rPr lang="en-AU" smtClean="0"/>
-              <a:t>28/04/2023</a:t>
+              <a:t>12/05/2023</a:t>
             </a:fld>
             <a:endParaRPr lang="en-AU"/>
           </a:p>
@@ -1415,7 +1428,7 @@
           <a:p>
             <a:fld id="{C9D90111-4692-4C42-9165-824C54EBC961}" type="datetimeFigureOut">
               <a:rPr lang="en-AU" smtClean="0"/>
-              <a:t>28/04/2023</a:t>
+              <a:t>12/05/2023</a:t>
             </a:fld>
             <a:endParaRPr lang="en-AU"/>
           </a:p>
@@ -1830,7 +1843,7 @@
           <a:p>
             <a:fld id="{C9D90111-4692-4C42-9165-824C54EBC961}" type="datetimeFigureOut">
               <a:rPr lang="en-AU" smtClean="0"/>
-              <a:t>28/04/2023</a:t>
+              <a:t>12/05/2023</a:t>
             </a:fld>
             <a:endParaRPr lang="en-AU"/>
           </a:p>
@@ -1972,7 +1985,7 @@
           <a:p>
             <a:fld id="{C9D90111-4692-4C42-9165-824C54EBC961}" type="datetimeFigureOut">
               <a:rPr lang="en-AU" smtClean="0"/>
-              <a:t>28/04/2023</a:t>
+              <a:t>12/05/2023</a:t>
             </a:fld>
             <a:endParaRPr lang="en-AU"/>
           </a:p>
@@ -2085,7 +2098,7 @@
           <a:p>
             <a:fld id="{C9D90111-4692-4C42-9165-824C54EBC961}" type="datetimeFigureOut">
               <a:rPr lang="en-AU" smtClean="0"/>
-              <a:t>28/04/2023</a:t>
+              <a:t>12/05/2023</a:t>
             </a:fld>
             <a:endParaRPr lang="en-AU"/>
           </a:p>
@@ -2398,7 +2411,7 @@
           <a:p>
             <a:fld id="{C9D90111-4692-4C42-9165-824C54EBC961}" type="datetimeFigureOut">
               <a:rPr lang="en-AU" smtClean="0"/>
-              <a:t>28/04/2023</a:t>
+              <a:t>12/05/2023</a:t>
             </a:fld>
             <a:endParaRPr lang="en-AU"/>
           </a:p>
@@ -2687,7 +2700,7 @@
           <a:p>
             <a:fld id="{C9D90111-4692-4C42-9165-824C54EBC961}" type="datetimeFigureOut">
               <a:rPr lang="en-AU" smtClean="0"/>
-              <a:t>28/04/2023</a:t>
+              <a:t>12/05/2023</a:t>
             </a:fld>
             <a:endParaRPr lang="en-AU"/>
           </a:p>
@@ -2930,7 +2943,7 @@
           <a:p>
             <a:fld id="{C9D90111-4692-4C42-9165-824C54EBC961}" type="datetimeFigureOut">
               <a:rPr lang="en-AU" smtClean="0"/>
-              <a:t>28/04/2023</a:t>
+              <a:t>12/05/2023</a:t>
             </a:fld>
             <a:endParaRPr lang="en-AU"/>
           </a:p>
@@ -3409,8 +3422,8 @@
         </p:nvGrpSpPr>
         <p:grpSpPr>
           <a:xfrm>
-            <a:off x="5888569" y="647153"/>
-            <a:ext cx="1534779" cy="711185"/>
+            <a:off x="5791199" y="455703"/>
+            <a:ext cx="3000375" cy="1293834"/>
             <a:chOff x="4600575" y="2600315"/>
             <a:chExt cx="2990850" cy="1385897"/>
           </a:xfrm>
@@ -3859,10 +3872,10 @@
       </p:grpSp>
       <p:sp>
         <p:nvSpPr>
-          <p:cNvPr id="9" name="Rectangle 8">
-            <a:extLst>
-              <a:ext uri="{FF2B5EF4-FFF2-40B4-BE49-F238E27FC236}">
-                <a16:creationId xmlns:a16="http://schemas.microsoft.com/office/drawing/2014/main" id="{53A8B789-ED39-4D18-B86C-837B10A9ADFD}"/>
+          <p:cNvPr id="11" name="Rectangle 10">
+            <a:extLst>
+              <a:ext uri="{FF2B5EF4-FFF2-40B4-BE49-F238E27FC236}">
+                <a16:creationId xmlns:a16="http://schemas.microsoft.com/office/drawing/2014/main" id="{5A3771B9-9F91-4BD4-A354-4ACA9C8AE7FD}"/>
               </a:ext>
             </a:extLst>
           </p:cNvPr>
@@ -3871,8 +3884,69 @@
         </p:nvSpPr>
         <p:spPr>
           <a:xfrm>
-            <a:off x="8058150" y="704850"/>
-            <a:ext cx="666750" cy="552450"/>
+            <a:off x="5619751" y="2066926"/>
+            <a:ext cx="3314700" cy="2644884"/>
+          </a:xfrm>
+          <a:prstGeom prst="rect">
+            <a:avLst/>
+          </a:prstGeom>
+          <a:solidFill>
+            <a:schemeClr val="bg1"/>
+          </a:solidFill>
+        </p:spPr>
+        <p:style>
+          <a:lnRef idx="2">
+            <a:schemeClr val="accent1">
+              <a:shade val="50000"/>
+            </a:schemeClr>
+          </a:lnRef>
+          <a:fillRef idx="1">
+            <a:schemeClr val="accent1"/>
+          </a:fillRef>
+          <a:effectRef idx="0">
+            <a:schemeClr val="accent1"/>
+          </a:effectRef>
+          <a:fontRef idx="minor">
+            <a:schemeClr val="lt1"/>
+          </a:fontRef>
+        </p:style>
+        <p:txBody>
+          <a:bodyPr rtlCol="0" anchor="ctr"/>
+          <a:lstStyle/>
+          <a:p>
+            <a:pPr algn="ctr"/>
+            <a:r>
+              <a:rPr lang="en-US" dirty="0">
+                <a:solidFill>
+                  <a:schemeClr val="tx1"/>
+                </a:solidFill>
+              </a:rPr>
+              <a:t>Ad videos / images</a:t>
+            </a:r>
+            <a:endParaRPr lang="en-AU" dirty="0">
+              <a:solidFill>
+                <a:schemeClr val="tx1"/>
+              </a:solidFill>
+            </a:endParaRPr>
+          </a:p>
+        </p:txBody>
+      </p:sp>
+      <p:sp>
+        <p:nvSpPr>
+          <p:cNvPr id="12" name="Rectangle 11">
+            <a:extLst>
+              <a:ext uri="{FF2B5EF4-FFF2-40B4-BE49-F238E27FC236}">
+                <a16:creationId xmlns:a16="http://schemas.microsoft.com/office/drawing/2014/main" id="{07494222-FAA5-480C-9FD4-3535F8B6B47D}"/>
+              </a:ext>
+            </a:extLst>
+          </p:cNvPr>
+          <p:cNvSpPr/>
+          <p:nvPr/>
+        </p:nvSpPr>
+        <p:spPr>
+          <a:xfrm>
+            <a:off x="5614987" y="5160547"/>
+            <a:ext cx="3314699" cy="510058"/>
           </a:xfrm>
           <a:prstGeom prst="rect">
             <a:avLst/>
@@ -3905,81 +3979,12 @@
           <a:p>
             <a:pPr algn="ctr"/>
             <a:r>
-              <a:rPr lang="en-US" sz="1200" dirty="0">
-                <a:solidFill>
-                  <a:schemeClr val="tx1"/>
-                </a:solidFill>
-              </a:rPr>
-              <a:t>Burger </a:t>
-            </a:r>
-            <a:r>
-              <a:rPr lang="en-US" sz="1200" dirty="0" err="1">
-                <a:solidFill>
-                  <a:schemeClr val="tx1"/>
-                </a:solidFill>
-              </a:rPr>
-              <a:t>Btn</a:t>
-            </a:r>
-            <a:endParaRPr lang="en-AU" sz="1200" dirty="0">
-              <a:solidFill>
-                <a:schemeClr val="tx1"/>
-              </a:solidFill>
-            </a:endParaRPr>
-          </a:p>
-        </p:txBody>
-      </p:sp>
-      <p:sp>
-        <p:nvSpPr>
-          <p:cNvPr id="11" name="Rectangle 10">
-            <a:extLst>
-              <a:ext uri="{FF2B5EF4-FFF2-40B4-BE49-F238E27FC236}">
-                <a16:creationId xmlns:a16="http://schemas.microsoft.com/office/drawing/2014/main" id="{5A3771B9-9F91-4BD4-A354-4ACA9C8AE7FD}"/>
-              </a:ext>
-            </a:extLst>
-          </p:cNvPr>
-          <p:cNvSpPr/>
-          <p:nvPr/>
-        </p:nvSpPr>
-        <p:spPr>
-          <a:xfrm>
-            <a:off x="5619751" y="1504950"/>
-            <a:ext cx="3314700" cy="3162299"/>
-          </a:xfrm>
-          <a:prstGeom prst="rect">
-            <a:avLst/>
-          </a:prstGeom>
-          <a:solidFill>
-            <a:schemeClr val="bg1"/>
-          </a:solidFill>
-        </p:spPr>
-        <p:style>
-          <a:lnRef idx="2">
-            <a:schemeClr val="accent1">
-              <a:shade val="50000"/>
-            </a:schemeClr>
-          </a:lnRef>
-          <a:fillRef idx="1">
-            <a:schemeClr val="accent1"/>
-          </a:fillRef>
-          <a:effectRef idx="0">
-            <a:schemeClr val="accent1"/>
-          </a:effectRef>
-          <a:fontRef idx="minor">
-            <a:schemeClr val="lt1"/>
-          </a:fontRef>
-        </p:style>
-        <p:txBody>
-          <a:bodyPr rtlCol="0" anchor="ctr"/>
-          <a:lstStyle/>
-          <a:p>
-            <a:pPr algn="ctr"/>
-            <a:r>
               <a:rPr lang="en-US" dirty="0">
                 <a:solidFill>
                   <a:schemeClr val="tx1"/>
                 </a:solidFill>
               </a:rPr>
-              <a:t>Ad videos / images</a:t>
+              <a:t>Login</a:t>
             </a:r>
             <a:endParaRPr lang="en-AU" dirty="0">
               <a:solidFill>
@@ -3991,10 +3996,10 @@
       </p:sp>
       <p:sp>
         <p:nvSpPr>
-          <p:cNvPr id="12" name="Rectangle 11">
-            <a:extLst>
-              <a:ext uri="{FF2B5EF4-FFF2-40B4-BE49-F238E27FC236}">
-                <a16:creationId xmlns:a16="http://schemas.microsoft.com/office/drawing/2014/main" id="{07494222-FAA5-480C-9FD4-3535F8B6B47D}"/>
+          <p:cNvPr id="2" name="Heart 1">
+            <a:extLst>
+              <a:ext uri="{FF2B5EF4-FFF2-40B4-BE49-F238E27FC236}">
+                <a16:creationId xmlns:a16="http://schemas.microsoft.com/office/drawing/2014/main" id="{821A9D50-970E-4D6F-83DD-FD5BFAFB0366}"/>
               </a:ext>
             </a:extLst>
           </p:cNvPr>
@@ -4003,131 +4008,7 @@
         </p:nvSpPr>
         <p:spPr>
           <a:xfrm>
-            <a:off x="6029325" y="5229225"/>
-            <a:ext cx="2533650" cy="457200"/>
-          </a:xfrm>
-          <a:prstGeom prst="rect">
-            <a:avLst/>
-          </a:prstGeom>
-          <a:solidFill>
-            <a:schemeClr val="bg2">
-              <a:lumMod val="75000"/>
-            </a:schemeClr>
-          </a:solidFill>
-        </p:spPr>
-        <p:style>
-          <a:lnRef idx="2">
-            <a:schemeClr val="accent1">
-              <a:shade val="50000"/>
-            </a:schemeClr>
-          </a:lnRef>
-          <a:fillRef idx="1">
-            <a:schemeClr val="accent1"/>
-          </a:fillRef>
-          <a:effectRef idx="0">
-            <a:schemeClr val="accent1"/>
-          </a:effectRef>
-          <a:fontRef idx="minor">
-            <a:schemeClr val="lt1"/>
-          </a:fontRef>
-        </p:style>
-        <p:txBody>
-          <a:bodyPr rtlCol="0" anchor="ctr"/>
-          <a:lstStyle/>
-          <a:p>
-            <a:pPr algn="ctr"/>
-            <a:r>
-              <a:rPr lang="en-US" dirty="0">
-                <a:solidFill>
-                  <a:schemeClr val="tx1"/>
-                </a:solidFill>
-              </a:rPr>
-              <a:t>Register</a:t>
-            </a:r>
-            <a:endParaRPr lang="en-AU" dirty="0">
-              <a:solidFill>
-                <a:schemeClr val="tx1"/>
-              </a:solidFill>
-            </a:endParaRPr>
-          </a:p>
-        </p:txBody>
-      </p:sp>
-      <p:sp>
-        <p:nvSpPr>
-          <p:cNvPr id="13" name="Rectangle 12">
-            <a:extLst>
-              <a:ext uri="{FF2B5EF4-FFF2-40B4-BE49-F238E27FC236}">
-                <a16:creationId xmlns:a16="http://schemas.microsoft.com/office/drawing/2014/main" id="{7E2CE7BA-8611-4EBC-94B2-ECF22A7C8116}"/>
-              </a:ext>
-            </a:extLst>
-          </p:cNvPr>
-          <p:cNvSpPr/>
-          <p:nvPr/>
-        </p:nvSpPr>
-        <p:spPr>
-          <a:xfrm>
-            <a:off x="5619751" y="5953125"/>
-            <a:ext cx="3314700" cy="581025"/>
-          </a:xfrm>
-          <a:prstGeom prst="rect">
-            <a:avLst/>
-          </a:prstGeom>
-          <a:solidFill>
-            <a:schemeClr val="bg1"/>
-          </a:solidFill>
-        </p:spPr>
-        <p:style>
-          <a:lnRef idx="2">
-            <a:schemeClr val="accent1">
-              <a:shade val="50000"/>
-            </a:schemeClr>
-          </a:lnRef>
-          <a:fillRef idx="1">
-            <a:schemeClr val="accent1"/>
-          </a:fillRef>
-          <a:effectRef idx="0">
-            <a:schemeClr val="accent1"/>
-          </a:effectRef>
-          <a:fontRef idx="minor">
-            <a:schemeClr val="lt1"/>
-          </a:fontRef>
-        </p:style>
-        <p:txBody>
-          <a:bodyPr rtlCol="0" anchor="ctr"/>
-          <a:lstStyle/>
-          <a:p>
-            <a:pPr algn="ctr"/>
-            <a:r>
-              <a:rPr lang="en-US" dirty="0">
-                <a:solidFill>
-                  <a:schemeClr val="tx1"/>
-                </a:solidFill>
-              </a:rPr>
-              <a:t>Contact Details</a:t>
-            </a:r>
-            <a:endParaRPr lang="en-AU" dirty="0">
-              <a:solidFill>
-                <a:schemeClr val="tx1"/>
-              </a:solidFill>
-            </a:endParaRPr>
-          </a:p>
-        </p:txBody>
-      </p:sp>
-      <p:sp>
-        <p:nvSpPr>
-          <p:cNvPr id="2" name="Heart 1">
-            <a:extLst>
-              <a:ext uri="{FF2B5EF4-FFF2-40B4-BE49-F238E27FC236}">
-                <a16:creationId xmlns:a16="http://schemas.microsoft.com/office/drawing/2014/main" id="{821A9D50-970E-4D6F-83DD-FD5BFAFB0366}"/>
-              </a:ext>
-            </a:extLst>
-          </p:cNvPr>
-          <p:cNvSpPr/>
-          <p:nvPr/>
-        </p:nvSpPr>
-        <p:spPr>
-          <a:xfrm>
-            <a:off x="5791199" y="4362450"/>
+            <a:off x="5791199" y="4324350"/>
             <a:ext cx="304800" cy="228600"/>
           </a:xfrm>
           <a:prstGeom prst="heart">
@@ -4173,7 +4054,7 @@
         </p:nvSpPr>
         <p:spPr>
           <a:xfrm>
-            <a:off x="6377329" y="4805829"/>
+            <a:off x="6377329" y="4767729"/>
             <a:ext cx="142192" cy="141942"/>
           </a:xfrm>
           <a:prstGeom prst="ellipse">
@@ -4224,7 +4105,7 @@
         </p:nvSpPr>
         <p:spPr>
           <a:xfrm>
-            <a:off x="6815479" y="4815354"/>
+            <a:off x="6815479" y="4777254"/>
             <a:ext cx="142192" cy="141942"/>
           </a:xfrm>
           <a:prstGeom prst="ellipse">
@@ -4275,7 +4156,7 @@
         </p:nvSpPr>
         <p:spPr>
           <a:xfrm>
-            <a:off x="7257749" y="4800450"/>
+            <a:off x="7257749" y="4762350"/>
             <a:ext cx="172052" cy="171750"/>
           </a:xfrm>
           <a:prstGeom prst="ellipse">
@@ -4324,7 +4205,7 @@
         </p:nvSpPr>
         <p:spPr>
           <a:xfrm>
-            <a:off x="7691779" y="4815354"/>
+            <a:off x="7691779" y="4777254"/>
             <a:ext cx="142192" cy="141942"/>
           </a:xfrm>
           <a:prstGeom prst="ellipse">
@@ -4375,7 +4256,7 @@
         </p:nvSpPr>
         <p:spPr>
           <a:xfrm>
-            <a:off x="8091829" y="4815354"/>
+            <a:off x="8091829" y="4777254"/>
             <a:ext cx="142192" cy="141942"/>
           </a:xfrm>
           <a:prstGeom prst="ellipse">
@@ -4426,7 +4307,7 @@
         </p:nvSpPr>
         <p:spPr>
           <a:xfrm>
-            <a:off x="6177304" y="4352925"/>
+            <a:off x="6177304" y="4314825"/>
             <a:ext cx="304800" cy="228600"/>
           </a:xfrm>
           <a:prstGeom prst="wedgeEllipseCallout">
@@ -4472,7 +4353,7 @@
         </p:nvSpPr>
         <p:spPr>
           <a:xfrm>
-            <a:off x="6553200" y="4352925"/>
+            <a:off x="6553200" y="4314825"/>
             <a:ext cx="304800" cy="228600"/>
           </a:xfrm>
           <a:prstGeom prst="bentArrow">
@@ -4522,7 +4403,7 @@
         </p:nvSpPr>
         <p:spPr>
           <a:xfrm>
-            <a:off x="7972425" y="1657350"/>
+            <a:off x="7972425" y="2219325"/>
             <a:ext cx="819150" cy="390525"/>
           </a:xfrm>
           <a:prstGeom prst="flowChartTerminator">
@@ -4558,10 +4439,1409 @@
           </a:p>
         </p:txBody>
       </p:sp>
+      <p:sp>
+        <p:nvSpPr>
+          <p:cNvPr id="19" name="Rectangle 18">
+            <a:extLst>
+              <a:ext uri="{FF2B5EF4-FFF2-40B4-BE49-F238E27FC236}">
+                <a16:creationId xmlns:a16="http://schemas.microsoft.com/office/drawing/2014/main" id="{7F1B87EB-5E87-4FB3-A174-078DD38419E1}"/>
+              </a:ext>
+            </a:extLst>
+          </p:cNvPr>
+          <p:cNvSpPr/>
+          <p:nvPr/>
+        </p:nvSpPr>
+        <p:spPr>
+          <a:xfrm>
+            <a:off x="5614987" y="5864313"/>
+            <a:ext cx="3314699" cy="510058"/>
+          </a:xfrm>
+          <a:prstGeom prst="rect">
+            <a:avLst/>
+          </a:prstGeom>
+          <a:solidFill>
+            <a:schemeClr val="bg2">
+              <a:lumMod val="75000"/>
+            </a:schemeClr>
+          </a:solidFill>
+        </p:spPr>
+        <p:style>
+          <a:lnRef idx="2">
+            <a:schemeClr val="accent1">
+              <a:shade val="50000"/>
+            </a:schemeClr>
+          </a:lnRef>
+          <a:fillRef idx="1">
+            <a:schemeClr val="accent1"/>
+          </a:fillRef>
+          <a:effectRef idx="0">
+            <a:schemeClr val="accent1"/>
+          </a:effectRef>
+          <a:fontRef idx="minor">
+            <a:schemeClr val="lt1"/>
+          </a:fontRef>
+        </p:style>
+        <p:txBody>
+          <a:bodyPr rtlCol="0" anchor="ctr"/>
+          <a:lstStyle/>
+          <a:p>
+            <a:pPr algn="ctr"/>
+            <a:r>
+              <a:rPr lang="en-US" dirty="0">
+                <a:solidFill>
+                  <a:schemeClr val="tx1"/>
+                </a:solidFill>
+              </a:rPr>
+              <a:t>Explore Courses</a:t>
+            </a:r>
+            <a:endParaRPr lang="en-AU" dirty="0">
+              <a:solidFill>
+                <a:schemeClr val="tx1"/>
+              </a:solidFill>
+            </a:endParaRPr>
+          </a:p>
+        </p:txBody>
+      </p:sp>
     </p:spTree>
     <p:extLst>
       <p:ext uri="{BB962C8B-B14F-4D97-AF65-F5344CB8AC3E}">
         <p14:creationId xmlns:p14="http://schemas.microsoft.com/office/powerpoint/2010/main" val="2737635733"/>
+      </p:ext>
+    </p:extLst>
+  </p:cSld>
+  <p:clrMapOvr>
+    <a:masterClrMapping/>
+  </p:clrMapOvr>
+</p:sld>
+</file>
+
+<file path=ppt/slides/slide2.xml><?xml version="1.0" encoding="utf-8"?>
+<p:sld xmlns:a="http://schemas.openxmlformats.org/drawingml/2006/main" xmlns:r="http://schemas.openxmlformats.org/officeDocument/2006/relationships" xmlns:p="http://schemas.openxmlformats.org/presentationml/2006/main">
+  <p:cSld>
+    <p:spTree>
+      <p:nvGrpSpPr>
+        <p:cNvPr id="1" name=""/>
+        <p:cNvGrpSpPr/>
+        <p:nvPr/>
+      </p:nvGrpSpPr>
+      <p:grpSpPr>
+        <a:xfrm>
+          <a:off x="0" y="0"/>
+          <a:ext cx="0" cy="0"/>
+          <a:chOff x="0" y="0"/>
+          <a:chExt cx="0" cy="0"/>
+        </a:xfrm>
+      </p:grpSpPr>
+      <p:sp>
+        <p:nvSpPr>
+          <p:cNvPr id="5" name="Rectangle: Rounded Corners 4">
+            <a:extLst>
+              <a:ext uri="{FF2B5EF4-FFF2-40B4-BE49-F238E27FC236}">
+                <a16:creationId xmlns:a16="http://schemas.microsoft.com/office/drawing/2014/main" id="{CC823CF3-EE19-4309-ABE9-88D9E26F7429}"/>
+              </a:ext>
+            </a:extLst>
+          </p:cNvPr>
+          <p:cNvSpPr/>
+          <p:nvPr/>
+        </p:nvSpPr>
+        <p:spPr>
+          <a:xfrm>
+            <a:off x="5467348" y="276225"/>
+            <a:ext cx="3609975" cy="6305550"/>
+          </a:xfrm>
+          <a:prstGeom prst="roundRect">
+            <a:avLst>
+              <a:gd name="adj" fmla="val 8224"/>
+            </a:avLst>
+          </a:prstGeom>
+        </p:spPr>
+        <p:style>
+          <a:lnRef idx="2">
+            <a:schemeClr val="accent1">
+              <a:shade val="50000"/>
+            </a:schemeClr>
+          </a:lnRef>
+          <a:fillRef idx="1">
+            <a:schemeClr val="accent1"/>
+          </a:fillRef>
+          <a:effectRef idx="0">
+            <a:schemeClr val="accent1"/>
+          </a:effectRef>
+          <a:fontRef idx="minor">
+            <a:schemeClr val="lt1"/>
+          </a:fontRef>
+        </p:style>
+        <p:txBody>
+          <a:bodyPr rtlCol="0" anchor="ctr"/>
+          <a:lstStyle/>
+          <a:p>
+            <a:pPr algn="ctr"/>
+            <a:endParaRPr lang="en-AU"/>
+          </a:p>
+        </p:txBody>
+      </p:sp>
+      <p:grpSp>
+        <p:nvGrpSpPr>
+          <p:cNvPr id="6" name="Group 5">
+            <a:extLst>
+              <a:ext uri="{FF2B5EF4-FFF2-40B4-BE49-F238E27FC236}">
+                <a16:creationId xmlns:a16="http://schemas.microsoft.com/office/drawing/2014/main" id="{14FE2788-5DBB-4FE8-A290-7F6D14C06765}"/>
+              </a:ext>
+            </a:extLst>
+          </p:cNvPr>
+          <p:cNvGrpSpPr/>
+          <p:nvPr/>
+        </p:nvGrpSpPr>
+        <p:grpSpPr>
+          <a:xfrm>
+            <a:off x="5791199" y="455703"/>
+            <a:ext cx="3000375" cy="1293834"/>
+            <a:chOff x="4600575" y="2600315"/>
+            <a:chExt cx="2990850" cy="1385897"/>
+          </a:xfrm>
+        </p:grpSpPr>
+        <p:pic>
+          <p:nvPicPr>
+            <p:cNvPr id="7" name="Picture 6">
+              <a:extLst>
+                <a:ext uri="{FF2B5EF4-FFF2-40B4-BE49-F238E27FC236}">
+                  <a16:creationId xmlns:a16="http://schemas.microsoft.com/office/drawing/2014/main" id="{401BE39E-1717-4414-9202-F7CE39A0BD76}"/>
+                </a:ext>
+              </a:extLst>
+            </p:cNvPr>
+            <p:cNvPicPr>
+              <a:picLocks noChangeAspect="1"/>
+            </p:cNvPicPr>
+            <p:nvPr/>
+          </p:nvPicPr>
+          <p:blipFill>
+            <a:blip r:embed="rId2"/>
+            <a:stretch>
+              <a:fillRect/>
+            </a:stretch>
+          </p:blipFill>
+          <p:spPr>
+            <a:xfrm>
+              <a:off x="4600575" y="2871787"/>
+              <a:ext cx="2990850" cy="1114425"/>
+            </a:xfrm>
+            <a:prstGeom prst="rect">
+              <a:avLst/>
+            </a:prstGeom>
+          </p:spPr>
+        </p:pic>
+        <p:sp>
+          <p:nvSpPr>
+            <p:cNvPr id="8" name="Freeform 9">
+              <a:extLst>
+                <a:ext uri="{FF2B5EF4-FFF2-40B4-BE49-F238E27FC236}">
+                  <a16:creationId xmlns:a16="http://schemas.microsoft.com/office/drawing/2014/main" id="{34938042-D2A0-4D5B-8664-30E60B591788}"/>
+                </a:ext>
+              </a:extLst>
+            </p:cNvPr>
+            <p:cNvSpPr/>
+            <p:nvPr/>
+          </p:nvSpPr>
+          <p:spPr>
+            <a:xfrm>
+              <a:off x="4739363" y="2600315"/>
+              <a:ext cx="971569" cy="971569"/>
+            </a:xfrm>
+            <a:custGeom>
+              <a:avLst/>
+              <a:gdLst>
+                <a:gd name="connsiteX0" fmla="*/ 1080000 w 2160000"/>
+                <a:gd name="connsiteY0" fmla="*/ 0 h 2160000"/>
+                <a:gd name="connsiteX1" fmla="*/ 2154424 w 2160000"/>
+                <a:gd name="connsiteY1" fmla="*/ 969576 h 2160000"/>
+                <a:gd name="connsiteX2" fmla="*/ 2157027 w 2160000"/>
+                <a:gd name="connsiteY2" fmla="*/ 1021127 h 2160000"/>
+                <a:gd name="connsiteX3" fmla="*/ 2159999 w 2160000"/>
+                <a:gd name="connsiteY3" fmla="*/ 1021127 h 2160000"/>
+                <a:gd name="connsiteX4" fmla="*/ 2159999 w 2160000"/>
+                <a:gd name="connsiteY4" fmla="*/ 1079980 h 2160000"/>
+                <a:gd name="connsiteX5" fmla="*/ 2160000 w 2160000"/>
+                <a:gd name="connsiteY5" fmla="*/ 1080000 h 2160000"/>
+                <a:gd name="connsiteX6" fmla="*/ 2159999 w 2160000"/>
+                <a:gd name="connsiteY6" fmla="*/ 1080021 h 2160000"/>
+                <a:gd name="connsiteX7" fmla="*/ 2159999 w 2160000"/>
+                <a:gd name="connsiteY7" fmla="*/ 1716639 h 2160000"/>
+                <a:gd name="connsiteX8" fmla="*/ 2157838 w 2160000"/>
+                <a:gd name="connsiteY8" fmla="*/ 1716639 h 2160000"/>
+                <a:gd name="connsiteX9" fmla="*/ 2160000 w 2160000"/>
+                <a:gd name="connsiteY9" fmla="*/ 1738544 h 2160000"/>
+                <a:gd name="connsiteX10" fmla="*/ 1891921 w 2160000"/>
+                <a:gd name="connsiteY10" fmla="*/ 2012333 h 2160000"/>
+                <a:gd name="connsiteX11" fmla="*/ 1623842 w 2160000"/>
+                <a:gd name="connsiteY11" fmla="*/ 1738544 h 2160000"/>
+                <a:gd name="connsiteX12" fmla="*/ 1626005 w 2160000"/>
+                <a:gd name="connsiteY12" fmla="*/ 1716639 h 2160000"/>
+                <a:gd name="connsiteX13" fmla="*/ 1620298 w 2160000"/>
+                <a:gd name="connsiteY13" fmla="*/ 1716639 h 2160000"/>
+                <a:gd name="connsiteX14" fmla="*/ 1620298 w 2160000"/>
+                <a:gd name="connsiteY14" fmla="*/ 1090950 h 2160000"/>
+                <a:gd name="connsiteX15" fmla="*/ 1618898 w 2160000"/>
+                <a:gd name="connsiteY15" fmla="*/ 1090937 h 2160000"/>
+                <a:gd name="connsiteX16" fmla="*/ 1620000 w 2160000"/>
+                <a:gd name="connsiteY16" fmla="*/ 1080000 h 2160000"/>
+                <a:gd name="connsiteX17" fmla="*/ 1080000 w 2160000"/>
+                <a:gd name="connsiteY17" fmla="*/ 540000 h 2160000"/>
+                <a:gd name="connsiteX18" fmla="*/ 540000 w 2160000"/>
+                <a:gd name="connsiteY18" fmla="*/ 1080000 h 2160000"/>
+                <a:gd name="connsiteX19" fmla="*/ 1080000 w 2160000"/>
+                <a:gd name="connsiteY19" fmla="*/ 1620000 h 2160000"/>
+                <a:gd name="connsiteX20" fmla="*/ 1172144 w 2160000"/>
+                <a:gd name="connsiteY20" fmla="*/ 1610711 h 2160000"/>
+                <a:gd name="connsiteX21" fmla="*/ 1192722 w 2160000"/>
+                <a:gd name="connsiteY21" fmla="*/ 1599542 h 2160000"/>
+                <a:gd name="connsiteX22" fmla="*/ 1205334 w 2160000"/>
+                <a:gd name="connsiteY22" fmla="*/ 1595627 h 2160000"/>
+                <a:gd name="connsiteX23" fmla="*/ 1218649 w 2160000"/>
+                <a:gd name="connsiteY23" fmla="*/ 1594482 h 2160000"/>
+                <a:gd name="connsiteX24" fmla="*/ 1273176 w 2160000"/>
+                <a:gd name="connsiteY24" fmla="*/ 1581875 h 2160000"/>
+                <a:gd name="connsiteX25" fmla="*/ 1277433 w 2160000"/>
+                <a:gd name="connsiteY25" fmla="*/ 1580379 h 2160000"/>
+                <a:gd name="connsiteX26" fmla="*/ 1297818 w 2160000"/>
+                <a:gd name="connsiteY26" fmla="*/ 1578324 h 2160000"/>
+                <a:gd name="connsiteX27" fmla="*/ 1567818 w 2160000"/>
+                <a:gd name="connsiteY27" fmla="*/ 1848324 h 2160000"/>
+                <a:gd name="connsiteX28" fmla="*/ 1469563 w 2160000"/>
+                <a:gd name="connsiteY28" fmla="*/ 2056669 h 2160000"/>
+                <a:gd name="connsiteX29" fmla="*/ 1412948 w 2160000"/>
+                <a:gd name="connsiteY29" fmla="*/ 2091019 h 2160000"/>
+                <a:gd name="connsiteX30" fmla="*/ 1398272 w 2160000"/>
+                <a:gd name="connsiteY30" fmla="*/ 2101498 h 2160000"/>
+                <a:gd name="connsiteX31" fmla="*/ 1374464 w 2160000"/>
+                <a:gd name="connsiteY31" fmla="*/ 2110955 h 2160000"/>
+                <a:gd name="connsiteX32" fmla="*/ 1376211 w 2160000"/>
+                <a:gd name="connsiteY32" fmla="*/ 2117860 h 2160000"/>
+                <a:gd name="connsiteX33" fmla="*/ 1321962 w 2160000"/>
+                <a:gd name="connsiteY33" fmla="*/ 2131809 h 2160000"/>
+                <a:gd name="connsiteX34" fmla="*/ 1306247 w 2160000"/>
+                <a:gd name="connsiteY34" fmla="*/ 2138051 h 2160000"/>
+                <a:gd name="connsiteX35" fmla="*/ 1267530 w 2160000"/>
+                <a:gd name="connsiteY35" fmla="*/ 2142656 h 2160000"/>
+                <a:gd name="connsiteX36" fmla="*/ 1190424 w 2160000"/>
+                <a:gd name="connsiteY36" fmla="*/ 2154424 h 2160000"/>
+                <a:gd name="connsiteX37" fmla="*/ 1080000 w 2160000"/>
+                <a:gd name="connsiteY37" fmla="*/ 2160000 h 2160000"/>
+                <a:gd name="connsiteX38" fmla="*/ 0 w 2160000"/>
+                <a:gd name="connsiteY38" fmla="*/ 1080000 h 2160000"/>
+                <a:gd name="connsiteX39" fmla="*/ 1080000 w 2160000"/>
+                <a:gd name="connsiteY39" fmla="*/ 0 h 2160000"/>
+              </a:gdLst>
+              <a:ahLst/>
+              <a:cxnLst>
+                <a:cxn ang="0">
+                  <a:pos x="connsiteX0" y="connsiteY0"/>
+                </a:cxn>
+                <a:cxn ang="0">
+                  <a:pos x="connsiteX1" y="connsiteY1"/>
+                </a:cxn>
+                <a:cxn ang="0">
+                  <a:pos x="connsiteX2" y="connsiteY2"/>
+                </a:cxn>
+                <a:cxn ang="0">
+                  <a:pos x="connsiteX3" y="connsiteY3"/>
+                </a:cxn>
+                <a:cxn ang="0">
+                  <a:pos x="connsiteX4" y="connsiteY4"/>
+                </a:cxn>
+                <a:cxn ang="0">
+                  <a:pos x="connsiteX5" y="connsiteY5"/>
+                </a:cxn>
+                <a:cxn ang="0">
+                  <a:pos x="connsiteX6" y="connsiteY6"/>
+                </a:cxn>
+                <a:cxn ang="0">
+                  <a:pos x="connsiteX7" y="connsiteY7"/>
+                </a:cxn>
+                <a:cxn ang="0">
+                  <a:pos x="connsiteX8" y="connsiteY8"/>
+                </a:cxn>
+                <a:cxn ang="0">
+                  <a:pos x="connsiteX9" y="connsiteY9"/>
+                </a:cxn>
+                <a:cxn ang="0">
+                  <a:pos x="connsiteX10" y="connsiteY10"/>
+                </a:cxn>
+                <a:cxn ang="0">
+                  <a:pos x="connsiteX11" y="connsiteY11"/>
+                </a:cxn>
+                <a:cxn ang="0">
+                  <a:pos x="connsiteX12" y="connsiteY12"/>
+                </a:cxn>
+                <a:cxn ang="0">
+                  <a:pos x="connsiteX13" y="connsiteY13"/>
+                </a:cxn>
+                <a:cxn ang="0">
+                  <a:pos x="connsiteX14" y="connsiteY14"/>
+                </a:cxn>
+                <a:cxn ang="0">
+                  <a:pos x="connsiteX15" y="connsiteY15"/>
+                </a:cxn>
+                <a:cxn ang="0">
+                  <a:pos x="connsiteX16" y="connsiteY16"/>
+                </a:cxn>
+                <a:cxn ang="0">
+                  <a:pos x="connsiteX17" y="connsiteY17"/>
+                </a:cxn>
+                <a:cxn ang="0">
+                  <a:pos x="connsiteX18" y="connsiteY18"/>
+                </a:cxn>
+                <a:cxn ang="0">
+                  <a:pos x="connsiteX19" y="connsiteY19"/>
+                </a:cxn>
+                <a:cxn ang="0">
+                  <a:pos x="connsiteX20" y="connsiteY20"/>
+                </a:cxn>
+                <a:cxn ang="0">
+                  <a:pos x="connsiteX21" y="connsiteY21"/>
+                </a:cxn>
+                <a:cxn ang="0">
+                  <a:pos x="connsiteX22" y="connsiteY22"/>
+                </a:cxn>
+                <a:cxn ang="0">
+                  <a:pos x="connsiteX23" y="connsiteY23"/>
+                </a:cxn>
+                <a:cxn ang="0">
+                  <a:pos x="connsiteX24" y="connsiteY24"/>
+                </a:cxn>
+                <a:cxn ang="0">
+                  <a:pos x="connsiteX25" y="connsiteY25"/>
+                </a:cxn>
+                <a:cxn ang="0">
+                  <a:pos x="connsiteX26" y="connsiteY26"/>
+                </a:cxn>
+                <a:cxn ang="0">
+                  <a:pos x="connsiteX27" y="connsiteY27"/>
+                </a:cxn>
+                <a:cxn ang="0">
+                  <a:pos x="connsiteX28" y="connsiteY28"/>
+                </a:cxn>
+                <a:cxn ang="0">
+                  <a:pos x="connsiteX29" y="connsiteY29"/>
+                </a:cxn>
+                <a:cxn ang="0">
+                  <a:pos x="connsiteX30" y="connsiteY30"/>
+                </a:cxn>
+                <a:cxn ang="0">
+                  <a:pos x="connsiteX31" y="connsiteY31"/>
+                </a:cxn>
+                <a:cxn ang="0">
+                  <a:pos x="connsiteX32" y="connsiteY32"/>
+                </a:cxn>
+                <a:cxn ang="0">
+                  <a:pos x="connsiteX33" y="connsiteY33"/>
+                </a:cxn>
+                <a:cxn ang="0">
+                  <a:pos x="connsiteX34" y="connsiteY34"/>
+                </a:cxn>
+                <a:cxn ang="0">
+                  <a:pos x="connsiteX35" y="connsiteY35"/>
+                </a:cxn>
+                <a:cxn ang="0">
+                  <a:pos x="connsiteX36" y="connsiteY36"/>
+                </a:cxn>
+                <a:cxn ang="0">
+                  <a:pos x="connsiteX37" y="connsiteY37"/>
+                </a:cxn>
+                <a:cxn ang="0">
+                  <a:pos x="connsiteX38" y="connsiteY38"/>
+                </a:cxn>
+                <a:cxn ang="0">
+                  <a:pos x="connsiteX39" y="connsiteY39"/>
+                </a:cxn>
+              </a:cxnLst>
+              <a:rect l="l" t="t" r="r" b="b"/>
+              <a:pathLst>
+                <a:path w="2160000" h="2160000">
+                  <a:moveTo>
+                    <a:pt x="1080000" y="0"/>
+                  </a:moveTo>
+                  <a:cubicBezTo>
+                    <a:pt x="1639189" y="0"/>
+                    <a:pt x="2099117" y="424979"/>
+                    <a:pt x="2154424" y="969576"/>
+                  </a:cubicBezTo>
+                  <a:lnTo>
+                    <a:pt x="2157027" y="1021127"/>
+                  </a:lnTo>
+                  <a:lnTo>
+                    <a:pt x="2159999" y="1021127"/>
+                  </a:lnTo>
+                  <a:lnTo>
+                    <a:pt x="2159999" y="1079980"/>
+                  </a:lnTo>
+                  <a:lnTo>
+                    <a:pt x="2160000" y="1080000"/>
+                  </a:lnTo>
+                  <a:lnTo>
+                    <a:pt x="2159999" y="1080021"/>
+                  </a:lnTo>
+                  <a:lnTo>
+                    <a:pt x="2159999" y="1716639"/>
+                  </a:lnTo>
+                  <a:lnTo>
+                    <a:pt x="2157838" y="1716639"/>
+                  </a:lnTo>
+                  <a:lnTo>
+                    <a:pt x="2160000" y="1738544"/>
+                  </a:lnTo>
+                  <a:cubicBezTo>
+                    <a:pt x="2160000" y="1889753"/>
+                    <a:pt x="2039977" y="2012333"/>
+                    <a:pt x="1891921" y="2012333"/>
+                  </a:cubicBezTo>
+                  <a:cubicBezTo>
+                    <a:pt x="1743865" y="2012333"/>
+                    <a:pt x="1623842" y="1889753"/>
+                    <a:pt x="1623842" y="1738544"/>
+                  </a:cubicBezTo>
+                  <a:lnTo>
+                    <a:pt x="1626005" y="1716639"/>
+                  </a:lnTo>
+                  <a:lnTo>
+                    <a:pt x="1620298" y="1716639"/>
+                  </a:lnTo>
+                  <a:lnTo>
+                    <a:pt x="1620298" y="1090950"/>
+                  </a:lnTo>
+                  <a:lnTo>
+                    <a:pt x="1618898" y="1090937"/>
+                  </a:lnTo>
+                  <a:lnTo>
+                    <a:pt x="1620000" y="1080000"/>
+                  </a:lnTo>
+                  <a:cubicBezTo>
+                    <a:pt x="1620000" y="781766"/>
+                    <a:pt x="1378234" y="540000"/>
+                    <a:pt x="1080000" y="540000"/>
+                  </a:cubicBezTo>
+                  <a:cubicBezTo>
+                    <a:pt x="781766" y="540000"/>
+                    <a:pt x="540000" y="781766"/>
+                    <a:pt x="540000" y="1080000"/>
+                  </a:cubicBezTo>
+                  <a:cubicBezTo>
+                    <a:pt x="540000" y="1378234"/>
+                    <a:pt x="781766" y="1620000"/>
+                    <a:pt x="1080000" y="1620000"/>
+                  </a:cubicBezTo>
+                  <a:lnTo>
+                    <a:pt x="1172144" y="1610711"/>
+                  </a:lnTo>
+                  <a:lnTo>
+                    <a:pt x="1192722" y="1599542"/>
+                  </a:lnTo>
+                  <a:lnTo>
+                    <a:pt x="1205334" y="1595627"/>
+                  </a:lnTo>
+                  <a:lnTo>
+                    <a:pt x="1218649" y="1594482"/>
+                  </a:lnTo>
+                  <a:cubicBezTo>
+                    <a:pt x="1237851" y="1591023"/>
+                    <a:pt x="1256099" y="1586790"/>
+                    <a:pt x="1273176" y="1581875"/>
+                  </a:cubicBezTo>
+                  <a:lnTo>
+                    <a:pt x="1277433" y="1580379"/>
+                  </a:lnTo>
+                  <a:lnTo>
+                    <a:pt x="1297818" y="1578324"/>
+                  </a:lnTo>
+                  <a:cubicBezTo>
+                    <a:pt x="1446935" y="1578324"/>
+                    <a:pt x="1567818" y="1699207"/>
+                    <a:pt x="1567818" y="1848324"/>
+                  </a:cubicBezTo>
+                  <a:cubicBezTo>
+                    <a:pt x="1567818" y="1932202"/>
+                    <a:pt x="1529570" y="2007147"/>
+                    <a:pt x="1469563" y="2056669"/>
+                  </a:cubicBezTo>
+                  <a:lnTo>
+                    <a:pt x="1412948" y="2091019"/>
+                  </a:lnTo>
+                  <a:lnTo>
+                    <a:pt x="1398272" y="2101498"/>
+                  </a:lnTo>
+                  <a:lnTo>
+                    <a:pt x="1374464" y="2110955"/>
+                  </a:lnTo>
+                  <a:lnTo>
+                    <a:pt x="1376211" y="2117860"/>
+                  </a:lnTo>
+                  <a:lnTo>
+                    <a:pt x="1321962" y="2131809"/>
+                  </a:lnTo>
+                  <a:lnTo>
+                    <a:pt x="1306247" y="2138051"/>
+                  </a:lnTo>
+                  <a:lnTo>
+                    <a:pt x="1267530" y="2142656"/>
+                  </a:lnTo>
+                  <a:lnTo>
+                    <a:pt x="1190424" y="2154424"/>
+                  </a:lnTo>
+                  <a:cubicBezTo>
+                    <a:pt x="1154118" y="2158111"/>
+                    <a:pt x="1117280" y="2160000"/>
+                    <a:pt x="1080000" y="2160000"/>
+                  </a:cubicBezTo>
+                  <a:cubicBezTo>
+                    <a:pt x="483532" y="2160000"/>
+                    <a:pt x="0" y="1676468"/>
+                    <a:pt x="0" y="1080000"/>
+                  </a:cubicBezTo>
+                  <a:cubicBezTo>
+                    <a:pt x="0" y="483532"/>
+                    <a:pt x="483532" y="0"/>
+                    <a:pt x="1080000" y="0"/>
+                  </a:cubicBezTo>
+                  <a:close/>
+                </a:path>
+              </a:pathLst>
+            </a:custGeom>
+            <a:solidFill>
+              <a:srgbClr val="FF8C52"/>
+            </a:solidFill>
+            <a:ln>
+              <a:solidFill>
+                <a:srgbClr val="FF8C52"/>
+              </a:solidFill>
+            </a:ln>
+          </p:spPr>
+          <p:style>
+            <a:lnRef idx="2">
+              <a:schemeClr val="accent1">
+                <a:shade val="50000"/>
+              </a:schemeClr>
+            </a:lnRef>
+            <a:fillRef idx="1">
+              <a:schemeClr val="accent1"/>
+            </a:fillRef>
+            <a:effectRef idx="0">
+              <a:schemeClr val="accent1"/>
+            </a:effectRef>
+            <a:fontRef idx="minor">
+              <a:schemeClr val="lt1"/>
+            </a:fontRef>
+          </p:style>
+          <p:txBody>
+            <a:bodyPr rtlCol="0" anchor="ctr"/>
+            <a:lstStyle/>
+            <a:p>
+              <a:pPr algn="ctr"/>
+              <a:endParaRPr lang="en-AU" dirty="0">
+                <a:latin typeface="Oxygen" panose="02000503000000000000" pitchFamily="2" charset="0"/>
+              </a:endParaRPr>
+            </a:p>
+          </p:txBody>
+        </p:sp>
+      </p:grpSp>
+      <p:sp>
+        <p:nvSpPr>
+          <p:cNvPr id="12" name="Rectangle 11">
+            <a:extLst>
+              <a:ext uri="{FF2B5EF4-FFF2-40B4-BE49-F238E27FC236}">
+                <a16:creationId xmlns:a16="http://schemas.microsoft.com/office/drawing/2014/main" id="{07494222-FAA5-480C-9FD4-3535F8B6B47D}"/>
+              </a:ext>
+            </a:extLst>
+          </p:cNvPr>
+          <p:cNvSpPr/>
+          <p:nvPr/>
+        </p:nvSpPr>
+        <p:spPr>
+          <a:xfrm>
+            <a:off x="5614987" y="5598697"/>
+            <a:ext cx="3314699" cy="510058"/>
+          </a:xfrm>
+          <a:prstGeom prst="rect">
+            <a:avLst/>
+          </a:prstGeom>
+          <a:solidFill>
+            <a:schemeClr val="bg2">
+              <a:lumMod val="75000"/>
+            </a:schemeClr>
+          </a:solidFill>
+        </p:spPr>
+        <p:style>
+          <a:lnRef idx="2">
+            <a:schemeClr val="accent1">
+              <a:shade val="50000"/>
+            </a:schemeClr>
+          </a:lnRef>
+          <a:fillRef idx="1">
+            <a:schemeClr val="accent1"/>
+          </a:fillRef>
+          <a:effectRef idx="0">
+            <a:schemeClr val="accent1"/>
+          </a:effectRef>
+          <a:fontRef idx="minor">
+            <a:schemeClr val="lt1"/>
+          </a:fontRef>
+        </p:style>
+        <p:txBody>
+          <a:bodyPr rtlCol="0" anchor="ctr"/>
+          <a:lstStyle/>
+          <a:p>
+            <a:pPr algn="ctr"/>
+            <a:r>
+              <a:rPr lang="en-US" dirty="0">
+                <a:solidFill>
+                  <a:schemeClr val="tx1"/>
+                </a:solidFill>
+              </a:rPr>
+              <a:t>Login</a:t>
+            </a:r>
+            <a:endParaRPr lang="en-AU" dirty="0">
+              <a:solidFill>
+                <a:schemeClr val="tx1"/>
+              </a:solidFill>
+            </a:endParaRPr>
+          </a:p>
+        </p:txBody>
+      </p:sp>
+      <p:sp>
+        <p:nvSpPr>
+          <p:cNvPr id="18" name="Rectangle 17">
+            <a:extLst>
+              <a:ext uri="{FF2B5EF4-FFF2-40B4-BE49-F238E27FC236}">
+                <a16:creationId xmlns:a16="http://schemas.microsoft.com/office/drawing/2014/main" id="{6C7BE92D-B15B-4B3F-A31B-AA85C438A4B0}"/>
+              </a:ext>
+            </a:extLst>
+          </p:cNvPr>
+          <p:cNvSpPr/>
+          <p:nvPr/>
+        </p:nvSpPr>
+        <p:spPr>
+          <a:xfrm>
+            <a:off x="5634036" y="6291675"/>
+            <a:ext cx="3314700" cy="879154"/>
+          </a:xfrm>
+          <a:prstGeom prst="rect">
+            <a:avLst/>
+          </a:prstGeom>
+          <a:solidFill>
+            <a:schemeClr val="bg1"/>
+          </a:solidFill>
+        </p:spPr>
+        <p:style>
+          <a:lnRef idx="2">
+            <a:schemeClr val="accent1">
+              <a:shade val="50000"/>
+            </a:schemeClr>
+          </a:lnRef>
+          <a:fillRef idx="1">
+            <a:schemeClr val="accent1"/>
+          </a:fillRef>
+          <a:effectRef idx="0">
+            <a:schemeClr val="accent1"/>
+          </a:effectRef>
+          <a:fontRef idx="minor">
+            <a:schemeClr val="lt1"/>
+          </a:fontRef>
+        </p:style>
+        <p:txBody>
+          <a:bodyPr rtlCol="0" anchor="ctr"/>
+          <a:lstStyle/>
+          <a:p>
+            <a:pPr algn="ctr"/>
+            <a:r>
+              <a:rPr lang="en-US" dirty="0">
+                <a:solidFill>
+                  <a:schemeClr val="tx1"/>
+                </a:solidFill>
+              </a:rPr>
+              <a:t>Contact Us</a:t>
+            </a:r>
+            <a:endParaRPr lang="en-AU" dirty="0">
+              <a:solidFill>
+                <a:schemeClr val="tx1"/>
+              </a:solidFill>
+            </a:endParaRPr>
+          </a:p>
+        </p:txBody>
+      </p:sp>
+      <p:sp>
+        <p:nvSpPr>
+          <p:cNvPr id="25" name="Rectangle 24">
+            <a:extLst>
+              <a:ext uri="{FF2B5EF4-FFF2-40B4-BE49-F238E27FC236}">
+                <a16:creationId xmlns:a16="http://schemas.microsoft.com/office/drawing/2014/main" id="{E69C5498-0C6C-4D61-91DE-6C27A329AE6F}"/>
+              </a:ext>
+            </a:extLst>
+          </p:cNvPr>
+          <p:cNvSpPr/>
+          <p:nvPr/>
+        </p:nvSpPr>
+        <p:spPr>
+          <a:xfrm>
+            <a:off x="5634036" y="2342031"/>
+            <a:ext cx="3314700" cy="1040395"/>
+          </a:xfrm>
+          <a:prstGeom prst="rect">
+            <a:avLst/>
+          </a:prstGeom>
+          <a:solidFill>
+            <a:schemeClr val="bg1"/>
+          </a:solidFill>
+        </p:spPr>
+        <p:style>
+          <a:lnRef idx="2">
+            <a:schemeClr val="accent1">
+              <a:shade val="50000"/>
+            </a:schemeClr>
+          </a:lnRef>
+          <a:fillRef idx="1">
+            <a:schemeClr val="accent1"/>
+          </a:fillRef>
+          <a:effectRef idx="0">
+            <a:schemeClr val="accent1"/>
+          </a:effectRef>
+          <a:fontRef idx="minor">
+            <a:schemeClr val="lt1"/>
+          </a:fontRef>
+        </p:style>
+        <p:txBody>
+          <a:bodyPr rtlCol="0" anchor="ctr"/>
+          <a:lstStyle/>
+          <a:p>
+            <a:pPr algn="ctr"/>
+            <a:r>
+              <a:rPr lang="en-US" dirty="0">
+                <a:solidFill>
+                  <a:schemeClr val="tx1"/>
+                </a:solidFill>
+              </a:rPr>
+              <a:t>Major Courses</a:t>
+            </a:r>
+            <a:endParaRPr lang="en-AU" dirty="0">
+              <a:solidFill>
+                <a:schemeClr val="tx1"/>
+              </a:solidFill>
+            </a:endParaRPr>
+          </a:p>
+        </p:txBody>
+      </p:sp>
+      <p:sp>
+        <p:nvSpPr>
+          <p:cNvPr id="26" name="Rectangle 25">
+            <a:extLst>
+              <a:ext uri="{FF2B5EF4-FFF2-40B4-BE49-F238E27FC236}">
+                <a16:creationId xmlns:a16="http://schemas.microsoft.com/office/drawing/2014/main" id="{38C22D82-F895-4EDB-8F2B-E9CEAD89E41A}"/>
+              </a:ext>
+            </a:extLst>
+          </p:cNvPr>
+          <p:cNvSpPr/>
+          <p:nvPr/>
+        </p:nvSpPr>
+        <p:spPr>
+          <a:xfrm>
+            <a:off x="5634036" y="3565345"/>
+            <a:ext cx="3314700" cy="1040395"/>
+          </a:xfrm>
+          <a:prstGeom prst="rect">
+            <a:avLst/>
+          </a:prstGeom>
+          <a:solidFill>
+            <a:schemeClr val="bg1"/>
+          </a:solidFill>
+        </p:spPr>
+        <p:style>
+          <a:lnRef idx="2">
+            <a:schemeClr val="accent1">
+              <a:shade val="50000"/>
+            </a:schemeClr>
+          </a:lnRef>
+          <a:fillRef idx="1">
+            <a:schemeClr val="accent1"/>
+          </a:fillRef>
+          <a:effectRef idx="0">
+            <a:schemeClr val="accent1"/>
+          </a:effectRef>
+          <a:fontRef idx="minor">
+            <a:schemeClr val="lt1"/>
+          </a:fontRef>
+        </p:style>
+        <p:txBody>
+          <a:bodyPr rtlCol="0" anchor="ctr"/>
+          <a:lstStyle/>
+          <a:p>
+            <a:pPr algn="ctr"/>
+            <a:r>
+              <a:rPr lang="en-US" dirty="0">
+                <a:solidFill>
+                  <a:schemeClr val="tx1"/>
+                </a:solidFill>
+              </a:rPr>
+              <a:t>Your Teachers</a:t>
+            </a:r>
+            <a:endParaRPr lang="en-AU" dirty="0">
+              <a:solidFill>
+                <a:schemeClr val="tx1"/>
+              </a:solidFill>
+            </a:endParaRPr>
+          </a:p>
+        </p:txBody>
+      </p:sp>
+      <p:sp>
+        <p:nvSpPr>
+          <p:cNvPr id="27" name="Rectangle 26">
+            <a:extLst>
+              <a:ext uri="{FF2B5EF4-FFF2-40B4-BE49-F238E27FC236}">
+                <a16:creationId xmlns:a16="http://schemas.microsoft.com/office/drawing/2014/main" id="{2EB530F7-24CD-4FFD-8899-33FEDA2D5B56}"/>
+              </a:ext>
+            </a:extLst>
+          </p:cNvPr>
+          <p:cNvSpPr/>
+          <p:nvPr/>
+        </p:nvSpPr>
+        <p:spPr>
+          <a:xfrm>
+            <a:off x="5634036" y="4791075"/>
+            <a:ext cx="842964" cy="694818"/>
+          </a:xfrm>
+          <a:prstGeom prst="rect">
+            <a:avLst/>
+          </a:prstGeom>
+          <a:solidFill>
+            <a:schemeClr val="bg1"/>
+          </a:solidFill>
+        </p:spPr>
+        <p:style>
+          <a:lnRef idx="2">
+            <a:schemeClr val="accent1">
+              <a:shade val="50000"/>
+            </a:schemeClr>
+          </a:lnRef>
+          <a:fillRef idx="1">
+            <a:schemeClr val="accent1"/>
+          </a:fillRef>
+          <a:effectRef idx="0">
+            <a:schemeClr val="accent1"/>
+          </a:effectRef>
+          <a:fontRef idx="minor">
+            <a:schemeClr val="lt1"/>
+          </a:fontRef>
+        </p:style>
+        <p:txBody>
+          <a:bodyPr rtlCol="0" anchor="ctr"/>
+          <a:lstStyle/>
+          <a:p>
+            <a:pPr algn="ctr"/>
+            <a:endParaRPr lang="en-AU">
+              <a:solidFill>
+                <a:schemeClr val="tx1"/>
+              </a:solidFill>
+            </a:endParaRPr>
+          </a:p>
+        </p:txBody>
+      </p:sp>
+      <p:sp>
+        <p:nvSpPr>
+          <p:cNvPr id="28" name="Flowchart: Extract 27">
+            <a:extLst>
+              <a:ext uri="{FF2B5EF4-FFF2-40B4-BE49-F238E27FC236}">
+                <a16:creationId xmlns:a16="http://schemas.microsoft.com/office/drawing/2014/main" id="{E6264105-A1C9-47BF-A872-65C5C8E235EE}"/>
+              </a:ext>
+            </a:extLst>
+          </p:cNvPr>
+          <p:cNvSpPr/>
+          <p:nvPr/>
+        </p:nvSpPr>
+        <p:spPr>
+          <a:xfrm rot="5400000">
+            <a:off x="5938692" y="5014463"/>
+            <a:ext cx="269224" cy="239014"/>
+          </a:xfrm>
+          <a:prstGeom prst="flowChartExtract">
+            <a:avLst/>
+          </a:prstGeom>
+        </p:spPr>
+        <p:style>
+          <a:lnRef idx="2">
+            <a:schemeClr val="accent1">
+              <a:shade val="50000"/>
+            </a:schemeClr>
+          </a:lnRef>
+          <a:fillRef idx="1">
+            <a:schemeClr val="accent1"/>
+          </a:fillRef>
+          <a:effectRef idx="0">
+            <a:schemeClr val="accent1"/>
+          </a:effectRef>
+          <a:fontRef idx="minor">
+            <a:schemeClr val="lt1"/>
+          </a:fontRef>
+        </p:style>
+        <p:txBody>
+          <a:bodyPr rtlCol="0" anchor="ctr"/>
+          <a:lstStyle/>
+          <a:p>
+            <a:pPr algn="ctr"/>
+            <a:endParaRPr lang="en-AU"/>
+          </a:p>
+        </p:txBody>
+      </p:sp>
+      <p:sp>
+        <p:nvSpPr>
+          <p:cNvPr id="29" name="Rectangle 28">
+            <a:extLst>
+              <a:ext uri="{FF2B5EF4-FFF2-40B4-BE49-F238E27FC236}">
+                <a16:creationId xmlns:a16="http://schemas.microsoft.com/office/drawing/2014/main" id="{5684751A-EBCE-4B55-905A-307467556889}"/>
+              </a:ext>
+            </a:extLst>
+          </p:cNvPr>
+          <p:cNvSpPr/>
+          <p:nvPr/>
+        </p:nvSpPr>
+        <p:spPr>
+          <a:xfrm>
+            <a:off x="6672261" y="4791075"/>
+            <a:ext cx="842964" cy="694818"/>
+          </a:xfrm>
+          <a:prstGeom prst="rect">
+            <a:avLst/>
+          </a:prstGeom>
+          <a:solidFill>
+            <a:schemeClr val="bg1"/>
+          </a:solidFill>
+        </p:spPr>
+        <p:style>
+          <a:lnRef idx="2">
+            <a:schemeClr val="accent1">
+              <a:shade val="50000"/>
+            </a:schemeClr>
+          </a:lnRef>
+          <a:fillRef idx="1">
+            <a:schemeClr val="accent1"/>
+          </a:fillRef>
+          <a:effectRef idx="0">
+            <a:schemeClr val="accent1"/>
+          </a:effectRef>
+          <a:fontRef idx="minor">
+            <a:schemeClr val="lt1"/>
+          </a:fontRef>
+        </p:style>
+        <p:txBody>
+          <a:bodyPr rtlCol="0" anchor="ctr"/>
+          <a:lstStyle/>
+          <a:p>
+            <a:pPr algn="ctr"/>
+            <a:endParaRPr lang="en-AU">
+              <a:solidFill>
+                <a:schemeClr val="tx1"/>
+              </a:solidFill>
+            </a:endParaRPr>
+          </a:p>
+        </p:txBody>
+      </p:sp>
+      <p:sp>
+        <p:nvSpPr>
+          <p:cNvPr id="30" name="Flowchart: Extract 29">
+            <a:extLst>
+              <a:ext uri="{FF2B5EF4-FFF2-40B4-BE49-F238E27FC236}">
+                <a16:creationId xmlns:a16="http://schemas.microsoft.com/office/drawing/2014/main" id="{5640AA0A-2877-43A8-BE26-5DB7BDD42CEE}"/>
+              </a:ext>
+            </a:extLst>
+          </p:cNvPr>
+          <p:cNvSpPr/>
+          <p:nvPr/>
+        </p:nvSpPr>
+        <p:spPr>
+          <a:xfrm rot="5400000">
+            <a:off x="6976917" y="5014463"/>
+            <a:ext cx="269224" cy="239014"/>
+          </a:xfrm>
+          <a:prstGeom prst="flowChartExtract">
+            <a:avLst/>
+          </a:prstGeom>
+        </p:spPr>
+        <p:style>
+          <a:lnRef idx="2">
+            <a:schemeClr val="accent1">
+              <a:shade val="50000"/>
+            </a:schemeClr>
+          </a:lnRef>
+          <a:fillRef idx="1">
+            <a:schemeClr val="accent1"/>
+          </a:fillRef>
+          <a:effectRef idx="0">
+            <a:schemeClr val="accent1"/>
+          </a:effectRef>
+          <a:fontRef idx="minor">
+            <a:schemeClr val="lt1"/>
+          </a:fontRef>
+        </p:style>
+        <p:txBody>
+          <a:bodyPr rtlCol="0" anchor="ctr"/>
+          <a:lstStyle/>
+          <a:p>
+            <a:pPr algn="ctr"/>
+            <a:endParaRPr lang="en-AU"/>
+          </a:p>
+        </p:txBody>
+      </p:sp>
+      <p:sp>
+        <p:nvSpPr>
+          <p:cNvPr id="31" name="Rectangle 30">
+            <a:extLst>
+              <a:ext uri="{FF2B5EF4-FFF2-40B4-BE49-F238E27FC236}">
+                <a16:creationId xmlns:a16="http://schemas.microsoft.com/office/drawing/2014/main" id="{BACEDAB4-DA31-4294-B7B6-55D3462B338A}"/>
+              </a:ext>
+            </a:extLst>
+          </p:cNvPr>
+          <p:cNvSpPr/>
+          <p:nvPr/>
+        </p:nvSpPr>
+        <p:spPr>
+          <a:xfrm>
+            <a:off x="7681911" y="4781550"/>
+            <a:ext cx="842964" cy="694818"/>
+          </a:xfrm>
+          <a:prstGeom prst="rect">
+            <a:avLst/>
+          </a:prstGeom>
+          <a:solidFill>
+            <a:schemeClr val="bg1"/>
+          </a:solidFill>
+        </p:spPr>
+        <p:style>
+          <a:lnRef idx="2">
+            <a:schemeClr val="accent1">
+              <a:shade val="50000"/>
+            </a:schemeClr>
+          </a:lnRef>
+          <a:fillRef idx="1">
+            <a:schemeClr val="accent1"/>
+          </a:fillRef>
+          <a:effectRef idx="0">
+            <a:schemeClr val="accent1"/>
+          </a:effectRef>
+          <a:fontRef idx="minor">
+            <a:schemeClr val="lt1"/>
+          </a:fontRef>
+        </p:style>
+        <p:txBody>
+          <a:bodyPr rtlCol="0" anchor="ctr"/>
+          <a:lstStyle/>
+          <a:p>
+            <a:pPr algn="ctr"/>
+            <a:endParaRPr lang="en-AU">
+              <a:solidFill>
+                <a:schemeClr val="tx1"/>
+              </a:solidFill>
+            </a:endParaRPr>
+          </a:p>
+        </p:txBody>
+      </p:sp>
+      <p:sp>
+        <p:nvSpPr>
+          <p:cNvPr id="32" name="Flowchart: Extract 31">
+            <a:extLst>
+              <a:ext uri="{FF2B5EF4-FFF2-40B4-BE49-F238E27FC236}">
+                <a16:creationId xmlns:a16="http://schemas.microsoft.com/office/drawing/2014/main" id="{4372E872-3FAE-43A6-8EB6-948DBE8595BD}"/>
+              </a:ext>
+            </a:extLst>
+          </p:cNvPr>
+          <p:cNvSpPr/>
+          <p:nvPr/>
+        </p:nvSpPr>
+        <p:spPr>
+          <a:xfrm rot="5400000">
+            <a:off x="7986567" y="5004938"/>
+            <a:ext cx="269224" cy="239014"/>
+          </a:xfrm>
+          <a:prstGeom prst="flowChartExtract">
+            <a:avLst/>
+          </a:prstGeom>
+        </p:spPr>
+        <p:style>
+          <a:lnRef idx="2">
+            <a:schemeClr val="accent1">
+              <a:shade val="50000"/>
+            </a:schemeClr>
+          </a:lnRef>
+          <a:fillRef idx="1">
+            <a:schemeClr val="accent1"/>
+          </a:fillRef>
+          <a:effectRef idx="0">
+            <a:schemeClr val="accent1"/>
+          </a:effectRef>
+          <a:fontRef idx="minor">
+            <a:schemeClr val="lt1"/>
+          </a:fontRef>
+        </p:style>
+        <p:txBody>
+          <a:bodyPr rtlCol="0" anchor="ctr"/>
+          <a:lstStyle/>
+          <a:p>
+            <a:pPr algn="ctr"/>
+            <a:endParaRPr lang="en-AU"/>
+          </a:p>
+        </p:txBody>
+      </p:sp>
+      <p:sp>
+        <p:nvSpPr>
+          <p:cNvPr id="33" name="Rectangle 32">
+            <a:extLst>
+              <a:ext uri="{FF2B5EF4-FFF2-40B4-BE49-F238E27FC236}">
+                <a16:creationId xmlns:a16="http://schemas.microsoft.com/office/drawing/2014/main" id="{0C3C0B37-B6C9-4D1A-B2C9-4045D68EE2AD}"/>
+              </a:ext>
+            </a:extLst>
+          </p:cNvPr>
+          <p:cNvSpPr/>
+          <p:nvPr/>
+        </p:nvSpPr>
+        <p:spPr>
+          <a:xfrm>
+            <a:off x="8701086" y="4772025"/>
+            <a:ext cx="842964" cy="694818"/>
+          </a:xfrm>
+          <a:prstGeom prst="rect">
+            <a:avLst/>
+          </a:prstGeom>
+          <a:solidFill>
+            <a:schemeClr val="bg1"/>
+          </a:solidFill>
+        </p:spPr>
+        <p:style>
+          <a:lnRef idx="2">
+            <a:schemeClr val="accent1">
+              <a:shade val="50000"/>
+            </a:schemeClr>
+          </a:lnRef>
+          <a:fillRef idx="1">
+            <a:schemeClr val="accent1"/>
+          </a:fillRef>
+          <a:effectRef idx="0">
+            <a:schemeClr val="accent1"/>
+          </a:effectRef>
+          <a:fontRef idx="minor">
+            <a:schemeClr val="lt1"/>
+          </a:fontRef>
+        </p:style>
+        <p:txBody>
+          <a:bodyPr rtlCol="0" anchor="ctr"/>
+          <a:lstStyle/>
+          <a:p>
+            <a:pPr algn="ctr"/>
+            <a:endParaRPr lang="en-AU">
+              <a:solidFill>
+                <a:schemeClr val="tx1"/>
+              </a:solidFill>
+            </a:endParaRPr>
+          </a:p>
+        </p:txBody>
+      </p:sp>
+      <p:sp>
+        <p:nvSpPr>
+          <p:cNvPr id="34" name="Flowchart: Extract 33">
+            <a:extLst>
+              <a:ext uri="{FF2B5EF4-FFF2-40B4-BE49-F238E27FC236}">
+                <a16:creationId xmlns:a16="http://schemas.microsoft.com/office/drawing/2014/main" id="{4BB73BE3-EA66-451E-B300-E00B911114A2}"/>
+              </a:ext>
+            </a:extLst>
+          </p:cNvPr>
+          <p:cNvSpPr/>
+          <p:nvPr/>
+        </p:nvSpPr>
+        <p:spPr>
+          <a:xfrm rot="5400000">
+            <a:off x="9005742" y="4995413"/>
+            <a:ext cx="269224" cy="239014"/>
+          </a:xfrm>
+          <a:prstGeom prst="flowChartExtract">
+            <a:avLst/>
+          </a:prstGeom>
+        </p:spPr>
+        <p:style>
+          <a:lnRef idx="2">
+            <a:schemeClr val="accent1">
+              <a:shade val="50000"/>
+            </a:schemeClr>
+          </a:lnRef>
+          <a:fillRef idx="1">
+            <a:schemeClr val="accent1"/>
+          </a:fillRef>
+          <a:effectRef idx="0">
+            <a:schemeClr val="accent1"/>
+          </a:effectRef>
+          <a:fontRef idx="minor">
+            <a:schemeClr val="lt1"/>
+          </a:fontRef>
+        </p:style>
+        <p:txBody>
+          <a:bodyPr rtlCol="0" anchor="ctr"/>
+          <a:lstStyle/>
+          <a:p>
+            <a:pPr algn="ctr"/>
+            <a:endParaRPr lang="en-AU"/>
+          </a:p>
+        </p:txBody>
+      </p:sp>
+      <p:sp>
+        <p:nvSpPr>
+          <p:cNvPr id="14" name="TextBox 13">
+            <a:extLst>
+              <a:ext uri="{FF2B5EF4-FFF2-40B4-BE49-F238E27FC236}">
+                <a16:creationId xmlns:a16="http://schemas.microsoft.com/office/drawing/2014/main" id="{7F9830B7-19A0-4DE5-8C8F-C89159072E9D}"/>
+              </a:ext>
+            </a:extLst>
+          </p:cNvPr>
+          <p:cNvSpPr txBox="1"/>
+          <p:nvPr/>
+        </p:nvSpPr>
+        <p:spPr>
+          <a:xfrm>
+            <a:off x="6672261" y="4723232"/>
+            <a:ext cx="2539084" cy="369332"/>
+          </a:xfrm>
+          <a:prstGeom prst="rect">
+            <a:avLst/>
+          </a:prstGeom>
+          <a:noFill/>
+        </p:spPr>
+        <p:txBody>
+          <a:bodyPr wrap="square" rtlCol="0">
+            <a:spAutoFit/>
+          </a:bodyPr>
+          <a:lstStyle/>
+          <a:p>
+            <a:r>
+              <a:rPr lang="en-US" dirty="0"/>
+              <a:t>Demo Lessons</a:t>
+            </a:r>
+            <a:endParaRPr lang="en-AU" dirty="0"/>
+          </a:p>
+        </p:txBody>
+      </p:sp>
+      <p:sp>
+        <p:nvSpPr>
+          <p:cNvPr id="15" name="Rectangle 14">
+            <a:extLst>
+              <a:ext uri="{FF2B5EF4-FFF2-40B4-BE49-F238E27FC236}">
+                <a16:creationId xmlns:a16="http://schemas.microsoft.com/office/drawing/2014/main" id="{1D4DC0D9-8851-4AEC-9B9F-7746B64C0BAE}"/>
+              </a:ext>
+            </a:extLst>
+          </p:cNvPr>
+          <p:cNvSpPr/>
+          <p:nvPr/>
+        </p:nvSpPr>
+        <p:spPr>
+          <a:xfrm>
+            <a:off x="5634036" y="1838325"/>
+            <a:ext cx="3314700" cy="390902"/>
+          </a:xfrm>
+          <a:prstGeom prst="rect">
+            <a:avLst/>
+          </a:prstGeom>
+          <a:solidFill>
+            <a:schemeClr val="bg1"/>
+          </a:solidFill>
+        </p:spPr>
+        <p:style>
+          <a:lnRef idx="2">
+            <a:schemeClr val="accent1">
+              <a:shade val="50000"/>
+            </a:schemeClr>
+          </a:lnRef>
+          <a:fillRef idx="1">
+            <a:schemeClr val="accent1"/>
+          </a:fillRef>
+          <a:effectRef idx="0">
+            <a:schemeClr val="accent1"/>
+          </a:effectRef>
+          <a:fontRef idx="minor">
+            <a:schemeClr val="lt1"/>
+          </a:fontRef>
+        </p:style>
+        <p:txBody>
+          <a:bodyPr rtlCol="0" anchor="ctr"/>
+          <a:lstStyle/>
+          <a:p>
+            <a:pPr algn="ctr"/>
+            <a:endParaRPr lang="en-AU">
+              <a:solidFill>
+                <a:schemeClr val="tx1"/>
+              </a:solidFill>
+            </a:endParaRPr>
+          </a:p>
+        </p:txBody>
+      </p:sp>
+      <p:sp>
+        <p:nvSpPr>
+          <p:cNvPr id="35" name="Rectangle 34">
+            <a:extLst>
+              <a:ext uri="{FF2B5EF4-FFF2-40B4-BE49-F238E27FC236}">
+                <a16:creationId xmlns:a16="http://schemas.microsoft.com/office/drawing/2014/main" id="{68284A2E-F1E7-44A9-857A-64BFC2E5E5A3}"/>
+              </a:ext>
+            </a:extLst>
+          </p:cNvPr>
+          <p:cNvSpPr/>
+          <p:nvPr/>
+        </p:nvSpPr>
+        <p:spPr>
+          <a:xfrm>
+            <a:off x="8366448" y="1789035"/>
+            <a:ext cx="570382" cy="510058"/>
+          </a:xfrm>
+          <a:prstGeom prst="rect">
+            <a:avLst/>
+          </a:prstGeom>
+          <a:solidFill>
+            <a:schemeClr val="bg2">
+              <a:lumMod val="75000"/>
+            </a:schemeClr>
+          </a:solidFill>
+        </p:spPr>
+        <p:style>
+          <a:lnRef idx="2">
+            <a:schemeClr val="accent1">
+              <a:shade val="50000"/>
+            </a:schemeClr>
+          </a:lnRef>
+          <a:fillRef idx="1">
+            <a:schemeClr val="accent1"/>
+          </a:fillRef>
+          <a:effectRef idx="0">
+            <a:schemeClr val="accent1"/>
+          </a:effectRef>
+          <a:fontRef idx="minor">
+            <a:schemeClr val="lt1"/>
+          </a:fontRef>
+        </p:style>
+        <p:txBody>
+          <a:bodyPr rtlCol="0" anchor="ctr"/>
+          <a:lstStyle/>
+          <a:p>
+            <a:pPr algn="ctr"/>
+            <a:r>
+              <a:rPr lang="en-AU" b="0" i="0">
+                <a:solidFill>
+                  <a:srgbClr val="3B4045"/>
+                </a:solidFill>
+                <a:effectLst/>
+                <a:latin typeface="-apple-system"/>
+              </a:rPr>
+              <a:t>🔎︎</a:t>
+            </a:r>
+            <a:endParaRPr lang="en-AU" dirty="0">
+              <a:solidFill>
+                <a:schemeClr val="tx1"/>
+              </a:solidFill>
+            </a:endParaRPr>
+          </a:p>
+        </p:txBody>
+      </p:sp>
+    </p:spTree>
+    <p:extLst>
+      <p:ext uri="{BB962C8B-B14F-4D97-AF65-F5344CB8AC3E}">
+        <p14:creationId xmlns:p14="http://schemas.microsoft.com/office/powerpoint/2010/main" val="2209684099"/>
       </p:ext>
     </p:extLst>
   </p:cSld>
